--- a/Bootstrap-Topics.pptx
+++ b/Bootstrap-Topics.pptx
@@ -23285,7 +23285,7 @@
           <a:p>
             <a:r>
               <a:rPr lang="en-IN" dirty="0"/>
-              <a:t>Bootstrap is a css library. It is used </a:t>
+              <a:t>Bootstrap is a css library or a framework. It is used </a:t>
             </a:r>
             <a:r>
               <a:rPr lang="en-US" dirty="0"/>
@@ -23296,7 +23296,7 @@
           <a:p>
             <a:r>
               <a:rPr lang="en-IN" dirty="0"/>
-              <a:t>The bootstrap helps us by eliminating the time required for write custom css.</a:t>
+              <a:t>The bootstrap helps us by eliminating the time required for write custom css and making the html page responsive to different screen sizes.</a:t>
             </a:r>
             <a:endParaRPr lang="en-US" dirty="0"/>
           </a:p>
@@ -23876,6 +23876,15 @@
 </file>
 
 <file path=customXml/item1.xml><?xml version="1.0" encoding="utf-8"?>
+<?mso-contentType ?>
+<FormTemplates xmlns="http://schemas.microsoft.com/sharepoint/v3/contenttype/forms">
+  <Display>DocumentLibraryForm</Display>
+  <Edit>DocumentLibraryForm</Edit>
+  <New>DocumentLibraryForm</New>
+</FormTemplates>
+</file>
+
+<file path=customXml/item2.xml><?xml version="1.0" encoding="utf-8"?>
 <ct:contentTypeSchema xmlns:ct="http://schemas.microsoft.com/office/2006/metadata/contentType" xmlns:ma="http://schemas.microsoft.com/office/2006/metadata/properties/metaAttributes" ct:_="" ma:_="" ma:contentTypeName="Document" ma:contentTypeID="0x01010079F111ED35F8CC479449609E8A0923A6" ma:contentTypeVersion="28" ma:contentTypeDescription="Create a new document." ma:contentTypeScope="" ma:versionID="60f5a4f2d2b0abadcf532d48ebf9cb71">
   <xsd:schema xmlns:xsd="http://www.w3.org/2001/XMLSchema" xmlns:xs="http://www.w3.org/2001/XMLSchema" xmlns:p="http://schemas.microsoft.com/office/2006/metadata/properties" xmlns:ns1="http://schemas.microsoft.com/sharepoint/v3" xmlns:ns2="71af3243-3dd4-4a8d-8c0d-dd76da1f02a5" xmlns:ns3="16c05727-aa75-4e4a-9b5f-8a80a1165891" xmlns:ns4="230e9df3-be65-4c73-a93b-d1236ebd677e" targetNamespace="http://schemas.microsoft.com/office/2006/metadata/properties" ma:root="true" ma:fieldsID="7dd78129e6a1811f84807ad11c651531" ns1:_="" ns2:_="" ns3:_="" ns4:_="">
     <xsd:import namespace="http://schemas.microsoft.com/sharepoint/v3"/>
@@ -24187,15 +24196,6 @@
 </ct:contentTypeSchema>
 </file>
 
-<file path=customXml/item2.xml><?xml version="1.0" encoding="utf-8"?>
-<?mso-contentType ?>
-<FormTemplates xmlns="http://schemas.microsoft.com/sharepoint/v3/contenttype/forms">
-  <Display>DocumentLibraryForm</Display>
-  <Edit>DocumentLibraryForm</Edit>
-  <New>DocumentLibraryForm</New>
-</FormTemplates>
-</file>
-
 <file path=customXml/item3.xml><?xml version="1.0" encoding="utf-8"?>
 <p:properties xmlns:p="http://schemas.microsoft.com/office/2006/metadata/properties" xmlns:xsi="http://www.w3.org/2001/XMLSchema-instance" xmlns:pc="http://schemas.microsoft.com/office/infopath/2007/PartnerControls">
   <documentManagement>
@@ -24217,6 +24217,14 @@
 </file>
 
 <file path=customXml/itemProps1.xml><?xml version="1.0" encoding="utf-8"?>
+<ds:datastoreItem xmlns:ds="http://schemas.openxmlformats.org/officeDocument/2006/customXml" ds:itemID="{69060146-7700-4F6C-986B-89E3839BD4ED}">
+  <ds:schemaRefs>
+    <ds:schemaRef ds:uri="http://schemas.microsoft.com/sharepoint/v3/contenttype/forms"/>
+  </ds:schemaRefs>
+</ds:datastoreItem>
+</file>
+
+<file path=customXml/itemProps2.xml><?xml version="1.0" encoding="utf-8"?>
 <ds:datastoreItem xmlns:ds="http://schemas.openxmlformats.org/officeDocument/2006/customXml" ds:itemID="{08FC98CF-E78A-425D-90FD-55D1C468A34F}">
   <ds:schemaRefs>
     <ds:schemaRef ds:uri="http://schemas.microsoft.com/office/2006/metadata/contentType"/>
@@ -24237,14 +24245,6 @@
 </ds:datastoreItem>
 </file>
 
-<file path=customXml/itemProps2.xml><?xml version="1.0" encoding="utf-8"?>
-<ds:datastoreItem xmlns:ds="http://schemas.openxmlformats.org/officeDocument/2006/customXml" ds:itemID="{69060146-7700-4F6C-986B-89E3839BD4ED}">
-  <ds:schemaRefs>
-    <ds:schemaRef ds:uri="http://schemas.microsoft.com/sharepoint/v3/contenttype/forms"/>
-  </ds:schemaRefs>
-</ds:datastoreItem>
-</file>
-
 <file path=customXml/itemProps3.xml><?xml version="1.0" encoding="utf-8"?>
 <ds:datastoreItem xmlns:ds="http://schemas.openxmlformats.org/officeDocument/2006/customXml" ds:itemID="{D235FEF8-1733-4347-95CE-3BB62B2B8DD7}">
   <ds:schemaRefs>
